--- a/Meetup_2017_10_30/teszteles/ppt/R-Ladies_Statisztikai_teszteles.pptx
+++ b/Meetup_2017_10_30/teszteles/ppt/R-Ladies_Statisztikai_teszteles.pptx
@@ -2883,15 +2883,72 @@
             <p:ph type="body" idx="1"/>
           </p:nvPr>
         </p:nvSpPr>
-        <p:spPr/>
+        <p:spPr>
+          <a:xfrm>
+            <a:off x="3742653" y="3863600"/>
+            <a:ext cx="2224596" cy="612965"/>
+          </a:xfrm>
+        </p:spPr>
         <p:txBody>
           <a:bodyPr/>
           <a:lstStyle/>
           <a:p>
-            <a:endParaRPr lang="en-GB"/>
+            <a:pPr>
+              <a:buNone/>
+            </a:pPr>
+            <a:r>
+              <a:rPr lang="en-GB" dirty="0" err="1"/>
+              <a:t>Hor</a:t>
+            </a:r>
+            <a:r>
+              <a:rPr lang="hu-HU" dirty="0"/>
+              <a:t>ák Hajnalka</a:t>
+            </a:r>
+            <a:endParaRPr lang="en-GB" dirty="0"/>
           </a:p>
         </p:txBody>
       </p:sp>
+      <p:pic>
+        <p:nvPicPr>
+          <p:cNvPr id="1026" name="Picture 2" descr="https://secure.meetupstatic.com/photos/member/6/2/5/e/member_183145182.jpeg"/>
+          <p:cNvPicPr>
+            <a:picLocks noChangeAspect="1" noChangeArrowheads="1"/>
+          </p:cNvPicPr>
+          <p:nvPr/>
+        </p:nvPicPr>
+        <p:blipFill>
+          <a:blip r:embed="rId2">
+            <a:extLst>
+              <a:ext uri="{28A0092B-C50C-407E-A947-70E740481C1C}">
+                <a14:useLocalDpi xmlns:a14="http://schemas.microsoft.com/office/drawing/2010/main" val="0"/>
+              </a:ext>
+            </a:extLst>
+          </a:blip>
+          <a:srcRect/>
+          <a:stretch>
+            <a:fillRect/>
+          </a:stretch>
+        </p:blipFill>
+        <p:spPr bwMode="auto">
+          <a:xfrm>
+            <a:off x="3429000" y="1428750"/>
+            <a:ext cx="2286000" cy="2286000"/>
+          </a:xfrm>
+          <a:prstGeom prst="rect">
+            <a:avLst/>
+          </a:prstGeom>
+          <a:noFill/>
+          <a:extLst>
+            <a:ext uri="{909E8E84-426E-40DD-AFC4-6F175D3DCCD1}">
+              <a14:hiddenFill xmlns:a14="http://schemas.microsoft.com/office/drawing/2010/main">
+                <a:solidFill>
+                  <a:srgbClr val="FFFFFF"/>
+                </a:solidFill>
+              </a14:hiddenFill>
+            </a:ext>
+          </a:extLst>
+        </p:spPr>
+      </p:pic>
     </p:spTree>
     <p:extLst>
       <p:ext uri="{BB962C8B-B14F-4D97-AF65-F5344CB8AC3E}">
@@ -6977,25 +7034,47 @@
           </a:p>
         </p:txBody>
       </p:sp>
-      <p:sp>
-        <p:nvSpPr>
-          <p:cNvPr id="3" name="Text Placeholder 2"/>
-          <p:cNvSpPr>
-            <a:spLocks noGrp="1"/>
-          </p:cNvSpPr>
-          <p:nvPr>
-            <p:ph type="body" idx="1"/>
-          </p:nvPr>
-        </p:nvSpPr>
-        <p:spPr/>
-        <p:txBody>
-          <a:bodyPr/>
-          <a:lstStyle/>
-          <a:p>
-            <a:endParaRPr lang="en-GB" dirty="0"/>
-          </a:p>
-        </p:txBody>
-      </p:sp>
+      <p:pic>
+        <p:nvPicPr>
+          <p:cNvPr id="2050" name="Picture 2" descr="https://www.womentechmakers.com/static/images/programs/programs/logo-wtm-scholarship.png"/>
+          <p:cNvPicPr>
+            <a:picLocks noChangeAspect="1" noChangeArrowheads="1"/>
+          </p:cNvPicPr>
+          <p:nvPr/>
+        </p:nvPicPr>
+        <p:blipFill>
+          <a:blip r:embed="rId2">
+            <a:extLst>
+              <a:ext uri="{28A0092B-C50C-407E-A947-70E740481C1C}">
+                <a14:useLocalDpi xmlns:a14="http://schemas.microsoft.com/office/drawing/2010/main" val="0"/>
+              </a:ext>
+            </a:extLst>
+          </a:blip>
+          <a:srcRect/>
+          <a:stretch>
+            <a:fillRect/>
+          </a:stretch>
+        </p:blipFill>
+        <p:spPr bwMode="auto">
+          <a:xfrm>
+            <a:off x="2917114" y="1529255"/>
+            <a:ext cx="3097566" cy="3494690"/>
+          </a:xfrm>
+          <a:prstGeom prst="rect">
+            <a:avLst/>
+          </a:prstGeom>
+          <a:noFill/>
+          <a:extLst>
+            <a:ext uri="{909E8E84-426E-40DD-AFC4-6F175D3DCCD1}">
+              <a14:hiddenFill xmlns:a14="http://schemas.microsoft.com/office/drawing/2010/main">
+                <a:solidFill>
+                  <a:srgbClr val="FFFFFF"/>
+                </a:solidFill>
+              </a14:hiddenFill>
+            </a:ext>
+          </a:extLst>
+        </p:spPr>
+      </p:pic>
     </p:spTree>
     <p:extLst>
       <p:ext uri="{BB962C8B-B14F-4D97-AF65-F5344CB8AC3E}">
